--- a/Remote Interfaces.pptx
+++ b/Remote Interfaces.pptx
@@ -9,7 +9,9 @@
     <p:sldId id="258" r:id="rId3"/>
     <p:sldId id="259" r:id="rId4"/>
     <p:sldId id="260" r:id="rId5"/>
-    <p:sldId id="261" r:id="rId6"/>
+    <p:sldId id="262" r:id="rId6"/>
+    <p:sldId id="261" r:id="rId7"/>
+    <p:sldId id="282" r:id="rId8"/>
   </p:sldIdLst>
   <p:sldSz cx="9144000" cy="6858000" type="screen4x3"/>
   <p:notesSz cx="6858000" cy="9144000"/>
@@ -292,7 +294,8 @@
           <a:p>
             <a:fld id="{C39340D6-AFBF-4378-A1C3-47D8C7C6CD5C}" type="datetimeFigureOut">
               <a:rPr lang="en-US" smtClean="0"/>
-              <a:t>6/16/2015</a:t>
+              <a:pPr/>
+              <a:t>6/17/2015</a:t>
             </a:fld>
             <a:endParaRPr lang="en-US"/>
           </a:p>
@@ -334,6 +337,7 @@
           <a:p>
             <a:fld id="{E25D77A6-8FB6-43BA-BB96-FDA6B0EAA123}" type="slidenum">
               <a:rPr lang="en-US" smtClean="0"/>
+              <a:pPr/>
               <a:t>‹#›</a:t>
             </a:fld>
             <a:endParaRPr lang="en-US"/>
@@ -457,7 +461,8 @@
           <a:p>
             <a:fld id="{C39340D6-AFBF-4378-A1C3-47D8C7C6CD5C}" type="datetimeFigureOut">
               <a:rPr lang="en-US" smtClean="0"/>
-              <a:t>6/16/2015</a:t>
+              <a:pPr/>
+              <a:t>6/17/2015</a:t>
             </a:fld>
             <a:endParaRPr lang="en-US"/>
           </a:p>
@@ -499,6 +504,7 @@
           <a:p>
             <a:fld id="{E25D77A6-8FB6-43BA-BB96-FDA6B0EAA123}" type="slidenum">
               <a:rPr lang="en-US" smtClean="0"/>
+              <a:pPr/>
               <a:t>‹#›</a:t>
             </a:fld>
             <a:endParaRPr lang="en-US"/>
@@ -632,7 +638,8 @@
           <a:p>
             <a:fld id="{C39340D6-AFBF-4378-A1C3-47D8C7C6CD5C}" type="datetimeFigureOut">
               <a:rPr lang="en-US" smtClean="0"/>
-              <a:t>6/16/2015</a:t>
+              <a:pPr/>
+              <a:t>6/17/2015</a:t>
             </a:fld>
             <a:endParaRPr lang="en-US"/>
           </a:p>
@@ -674,6 +681,7 @@
           <a:p>
             <a:fld id="{E25D77A6-8FB6-43BA-BB96-FDA6B0EAA123}" type="slidenum">
               <a:rPr lang="en-US" smtClean="0"/>
+              <a:pPr/>
               <a:t>‹#›</a:t>
             </a:fld>
             <a:endParaRPr lang="en-US"/>
@@ -797,7 +805,8 @@
           <a:p>
             <a:fld id="{C39340D6-AFBF-4378-A1C3-47D8C7C6CD5C}" type="datetimeFigureOut">
               <a:rPr lang="en-US" smtClean="0"/>
-              <a:t>6/16/2015</a:t>
+              <a:pPr/>
+              <a:t>6/17/2015</a:t>
             </a:fld>
             <a:endParaRPr lang="en-US"/>
           </a:p>
@@ -839,6 +848,7 @@
           <a:p>
             <a:fld id="{E25D77A6-8FB6-43BA-BB96-FDA6B0EAA123}" type="slidenum">
               <a:rPr lang="en-US" smtClean="0"/>
+              <a:pPr/>
               <a:t>‹#›</a:t>
             </a:fld>
             <a:endParaRPr lang="en-US"/>
@@ -1038,7 +1048,8 @@
           <a:p>
             <a:fld id="{C39340D6-AFBF-4378-A1C3-47D8C7C6CD5C}" type="datetimeFigureOut">
               <a:rPr lang="en-US" smtClean="0"/>
-              <a:t>6/16/2015</a:t>
+              <a:pPr/>
+              <a:t>6/17/2015</a:t>
             </a:fld>
             <a:endParaRPr lang="en-US"/>
           </a:p>
@@ -1080,6 +1091,7 @@
           <a:p>
             <a:fld id="{E25D77A6-8FB6-43BA-BB96-FDA6B0EAA123}" type="slidenum">
               <a:rPr lang="en-US" smtClean="0"/>
+              <a:pPr/>
               <a:t>‹#›</a:t>
             </a:fld>
             <a:endParaRPr lang="en-US"/>
@@ -1321,7 +1333,8 @@
           <a:p>
             <a:fld id="{C39340D6-AFBF-4378-A1C3-47D8C7C6CD5C}" type="datetimeFigureOut">
               <a:rPr lang="en-US" smtClean="0"/>
-              <a:t>6/16/2015</a:t>
+              <a:pPr/>
+              <a:t>6/17/2015</a:t>
             </a:fld>
             <a:endParaRPr lang="en-US"/>
           </a:p>
@@ -1363,6 +1376,7 @@
           <a:p>
             <a:fld id="{E25D77A6-8FB6-43BA-BB96-FDA6B0EAA123}" type="slidenum">
               <a:rPr lang="en-US" smtClean="0"/>
+              <a:pPr/>
               <a:t>‹#›</a:t>
             </a:fld>
             <a:endParaRPr lang="en-US"/>
@@ -1738,7 +1752,8 @@
           <a:p>
             <a:fld id="{C39340D6-AFBF-4378-A1C3-47D8C7C6CD5C}" type="datetimeFigureOut">
               <a:rPr lang="en-US" smtClean="0"/>
-              <a:t>6/16/2015</a:t>
+              <a:pPr/>
+              <a:t>6/17/2015</a:t>
             </a:fld>
             <a:endParaRPr lang="en-US"/>
           </a:p>
@@ -1780,6 +1795,7 @@
           <a:p>
             <a:fld id="{E25D77A6-8FB6-43BA-BB96-FDA6B0EAA123}" type="slidenum">
               <a:rPr lang="en-US" smtClean="0"/>
+              <a:pPr/>
               <a:t>‹#›</a:t>
             </a:fld>
             <a:endParaRPr lang="en-US"/>
@@ -1851,7 +1867,8 @@
           <a:p>
             <a:fld id="{C39340D6-AFBF-4378-A1C3-47D8C7C6CD5C}" type="datetimeFigureOut">
               <a:rPr lang="en-US" smtClean="0"/>
-              <a:t>6/16/2015</a:t>
+              <a:pPr/>
+              <a:t>6/17/2015</a:t>
             </a:fld>
             <a:endParaRPr lang="en-US"/>
           </a:p>
@@ -1893,6 +1910,7 @@
           <a:p>
             <a:fld id="{E25D77A6-8FB6-43BA-BB96-FDA6B0EAA123}" type="slidenum">
               <a:rPr lang="en-US" smtClean="0"/>
+              <a:pPr/>
               <a:t>‹#›</a:t>
             </a:fld>
             <a:endParaRPr lang="en-US"/>
@@ -1941,7 +1959,8 @@
           <a:p>
             <a:fld id="{C39340D6-AFBF-4378-A1C3-47D8C7C6CD5C}" type="datetimeFigureOut">
               <a:rPr lang="en-US" smtClean="0"/>
-              <a:t>6/16/2015</a:t>
+              <a:pPr/>
+              <a:t>6/17/2015</a:t>
             </a:fld>
             <a:endParaRPr lang="en-US"/>
           </a:p>
@@ -1983,6 +2002,7 @@
           <a:p>
             <a:fld id="{E25D77A6-8FB6-43BA-BB96-FDA6B0EAA123}" type="slidenum">
               <a:rPr lang="en-US" smtClean="0"/>
+              <a:pPr/>
               <a:t>‹#›</a:t>
             </a:fld>
             <a:endParaRPr lang="en-US"/>
@@ -2213,7 +2233,8 @@
           <a:p>
             <a:fld id="{C39340D6-AFBF-4378-A1C3-47D8C7C6CD5C}" type="datetimeFigureOut">
               <a:rPr lang="en-US" smtClean="0"/>
-              <a:t>6/16/2015</a:t>
+              <a:pPr/>
+              <a:t>6/17/2015</a:t>
             </a:fld>
             <a:endParaRPr lang="en-US"/>
           </a:p>
@@ -2255,6 +2276,7 @@
           <a:p>
             <a:fld id="{E25D77A6-8FB6-43BA-BB96-FDA6B0EAA123}" type="slidenum">
               <a:rPr lang="en-US" smtClean="0"/>
+              <a:pPr/>
               <a:t>‹#›</a:t>
             </a:fld>
             <a:endParaRPr lang="en-US"/>
@@ -2461,7 +2483,8 @@
           <a:p>
             <a:fld id="{C39340D6-AFBF-4378-A1C3-47D8C7C6CD5C}" type="datetimeFigureOut">
               <a:rPr lang="en-US" smtClean="0"/>
-              <a:t>6/16/2015</a:t>
+              <a:pPr/>
+              <a:t>6/17/2015</a:t>
             </a:fld>
             <a:endParaRPr lang="en-US"/>
           </a:p>
@@ -2503,6 +2526,7 @@
           <a:p>
             <a:fld id="{E25D77A6-8FB6-43BA-BB96-FDA6B0EAA123}" type="slidenum">
               <a:rPr lang="en-US" smtClean="0"/>
+              <a:pPr/>
               <a:t>‹#›</a:t>
             </a:fld>
             <a:endParaRPr lang="en-US"/>
@@ -2669,7 +2693,8 @@
           <a:p>
             <a:fld id="{C39340D6-AFBF-4378-A1C3-47D8C7C6CD5C}" type="datetimeFigureOut">
               <a:rPr lang="en-US" smtClean="0"/>
-              <a:t>6/16/2015</a:t>
+              <a:pPr/>
+              <a:t>6/17/2015</a:t>
             </a:fld>
             <a:endParaRPr lang="en-US"/>
           </a:p>
@@ -2747,6 +2772,7 @@
           <a:p>
             <a:fld id="{E25D77A6-8FB6-43BA-BB96-FDA6B0EAA123}" type="slidenum">
               <a:rPr lang="en-US" smtClean="0"/>
+              <a:pPr/>
               <a:t>‹#›</a:t>
             </a:fld>
             <a:endParaRPr lang="en-US"/>
@@ -3137,7 +3163,7 @@
         </p:nvSpPr>
         <p:spPr>
           <a:xfrm>
-            <a:off x="1219200" y="1752600"/>
+            <a:off x="609600" y="1828800"/>
             <a:ext cx="1905000" cy="990600"/>
           </a:xfrm>
           <a:prstGeom prst="rect">
@@ -3219,57 +3245,13 @@
       </p:sp>
       <p:sp>
         <p:nvSpPr>
-          <p:cNvPr id="7" name="Rectangle 6"/>
-          <p:cNvSpPr/>
-          <p:nvPr/>
-        </p:nvSpPr>
-        <p:spPr>
-          <a:xfrm>
-            <a:off x="1219200" y="3581400"/>
-            <a:ext cx="1905000" cy="990600"/>
-          </a:xfrm>
-          <a:prstGeom prst="rect">
-            <a:avLst/>
-          </a:prstGeom>
-        </p:spPr>
-        <p:style>
-          <a:lnRef idx="2">
-            <a:schemeClr val="accent1">
-              <a:shade val="50000"/>
-            </a:schemeClr>
-          </a:lnRef>
-          <a:fillRef idx="1">
-            <a:schemeClr val="accent1"/>
-          </a:fillRef>
-          <a:effectRef idx="0">
-            <a:schemeClr val="accent1"/>
-          </a:effectRef>
-          <a:fontRef idx="minor">
-            <a:schemeClr val="lt1"/>
-          </a:fontRef>
-        </p:style>
-        <p:txBody>
-          <a:bodyPr rtlCol="0" anchor="ctr"/>
-          <a:lstStyle/>
-          <a:p>
-            <a:pPr algn="ctr"/>
-            <a:r>
-              <a:rPr lang="en-US" sz="2400" dirty="0" smtClean="0"/>
-              <a:t>RT System</a:t>
-            </a:r>
-            <a:endParaRPr lang="en-US" sz="2400" dirty="0"/>
-          </a:p>
-        </p:txBody>
-      </p:sp>
-      <p:sp>
-        <p:nvSpPr>
           <p:cNvPr id="8" name="Rectangle 7"/>
           <p:cNvSpPr/>
           <p:nvPr/>
         </p:nvSpPr>
         <p:spPr>
           <a:xfrm>
-            <a:off x="4495800" y="3505200"/>
+            <a:off x="4572000" y="2971800"/>
             <a:ext cx="2514600" cy="1066800"/>
           </a:xfrm>
           <a:prstGeom prst="rect">
@@ -3315,16 +3297,16 @@
       </p:sp>
       <p:sp>
         <p:nvSpPr>
-          <p:cNvPr id="11" name="Rectangle 10"/>
+          <p:cNvPr id="12" name="Left-Right Arrow 11"/>
           <p:cNvSpPr/>
           <p:nvPr/>
         </p:nvSpPr>
         <p:spPr>
           <a:xfrm>
-            <a:off x="1219200" y="5257800"/>
-            <a:ext cx="1905000" cy="990600"/>
+            <a:off x="2743200" y="2057400"/>
+            <a:ext cx="1600200" cy="457200"/>
           </a:xfrm>
-          <a:prstGeom prst="rect">
+          <a:prstGeom prst="leftRightArrow">
             <a:avLst/>
           </a:prstGeom>
         </p:spPr>
@@ -3349,23 +3331,19 @@
           <a:lstStyle/>
           <a:p>
             <a:pPr algn="ctr"/>
-            <a:r>
-              <a:rPr lang="en-US" sz="2400" dirty="0" smtClean="0"/>
-              <a:t>RT System</a:t>
-            </a:r>
-            <a:endParaRPr lang="en-US" sz="2400" dirty="0"/>
-          </a:p>
-        </p:txBody>
-      </p:sp>
-      <p:sp>
-        <p:nvSpPr>
-          <p:cNvPr id="12" name="Left-Right Arrow 11"/>
+            <a:endParaRPr lang="en-US"/>
+          </a:p>
+        </p:txBody>
+      </p:sp>
+      <p:sp>
+        <p:nvSpPr>
+          <p:cNvPr id="13" name="Left-Right Arrow 12"/>
           <p:cNvSpPr/>
           <p:nvPr/>
         </p:nvSpPr>
         <p:spPr>
           <a:xfrm>
-            <a:off x="3429000" y="2057400"/>
+            <a:off x="3352800" y="3276600"/>
             <a:ext cx="914400" cy="457200"/>
           </a:xfrm>
           <a:prstGeom prst="leftRightArrow">
@@ -3399,13 +3377,13 @@
       </p:sp>
       <p:sp>
         <p:nvSpPr>
-          <p:cNvPr id="13" name="Left-Right Arrow 12"/>
+          <p:cNvPr id="14" name="Left-Right Arrow 13"/>
           <p:cNvSpPr/>
           <p:nvPr/>
         </p:nvSpPr>
         <p:spPr>
           <a:xfrm>
-            <a:off x="3352800" y="3810000"/>
+            <a:off x="3276600" y="4572000"/>
             <a:ext cx="914400" cy="457200"/>
           </a:xfrm>
           <a:prstGeom prst="leftRightArrow">
@@ -3439,13 +3417,101 @@
       </p:sp>
       <p:sp>
         <p:nvSpPr>
-          <p:cNvPr id="14" name="Left-Right Arrow 13"/>
+          <p:cNvPr id="15" name="Rectangle 14"/>
           <p:cNvSpPr/>
           <p:nvPr/>
         </p:nvSpPr>
         <p:spPr>
           <a:xfrm>
-            <a:off x="3429000" y="5410200"/>
+            <a:off x="4572000" y="4191000"/>
+            <a:ext cx="2514600" cy="1066800"/>
+          </a:xfrm>
+          <a:prstGeom prst="rect">
+            <a:avLst/>
+          </a:prstGeom>
+        </p:spPr>
+        <p:style>
+          <a:lnRef idx="2">
+            <a:schemeClr val="accent1">
+              <a:shade val="50000"/>
+            </a:schemeClr>
+          </a:lnRef>
+          <a:fillRef idx="1">
+            <a:schemeClr val="accent1"/>
+          </a:fillRef>
+          <a:effectRef idx="0">
+            <a:schemeClr val="accent1"/>
+          </a:effectRef>
+          <a:fontRef idx="minor">
+            <a:schemeClr val="lt1"/>
+          </a:fontRef>
+        </p:style>
+        <p:txBody>
+          <a:bodyPr rtlCol="0" anchor="ctr"/>
+          <a:lstStyle/>
+          <a:p>
+            <a:pPr algn="ctr"/>
+            <a:r>
+              <a:rPr lang="en-US" dirty="0" smtClean="0"/>
+              <a:t>Lab Socket</a:t>
+            </a:r>
+            <a:endParaRPr lang="en-US" dirty="0"/>
+          </a:p>
+        </p:txBody>
+      </p:sp>
+      <p:sp>
+        <p:nvSpPr>
+          <p:cNvPr id="16" name="Rectangle 15"/>
+          <p:cNvSpPr/>
+          <p:nvPr/>
+        </p:nvSpPr>
+        <p:spPr>
+          <a:xfrm>
+            <a:off x="4572000" y="5562600"/>
+            <a:ext cx="2514600" cy="1066800"/>
+          </a:xfrm>
+          <a:prstGeom prst="rect">
+            <a:avLst/>
+          </a:prstGeom>
+        </p:spPr>
+        <p:style>
+          <a:lnRef idx="2">
+            <a:schemeClr val="accent1">
+              <a:shade val="50000"/>
+            </a:schemeClr>
+          </a:lnRef>
+          <a:fillRef idx="1">
+            <a:schemeClr val="accent1"/>
+          </a:fillRef>
+          <a:effectRef idx="0">
+            <a:schemeClr val="accent1"/>
+          </a:effectRef>
+          <a:fontRef idx="minor">
+            <a:schemeClr val="lt1"/>
+          </a:fontRef>
+        </p:style>
+        <p:txBody>
+          <a:bodyPr rtlCol="0" anchor="ctr"/>
+          <a:lstStyle/>
+          <a:p>
+            <a:pPr algn="ctr"/>
+            <a:r>
+              <a:rPr lang="en-US" dirty="0" smtClean="0"/>
+              <a:t>Web UI Builder</a:t>
+            </a:r>
+            <a:endParaRPr lang="en-US" dirty="0"/>
+          </a:p>
+        </p:txBody>
+      </p:sp>
+      <p:sp>
+        <p:nvSpPr>
+          <p:cNvPr id="17" name="Left-Right Arrow 16"/>
+          <p:cNvSpPr/>
+          <p:nvPr/>
+        </p:nvSpPr>
+        <p:spPr>
+          <a:xfrm>
+            <a:off x="3276600" y="5791200"/>
             <a:ext cx="914400" cy="457200"/>
           </a:xfrm>
           <a:prstGeom prst="leftRightArrow">
@@ -3474,50 +3540,6 @@
           <a:p>
             <a:pPr algn="ctr"/>
             <a:endParaRPr lang="en-US"/>
-          </a:p>
-        </p:txBody>
-      </p:sp>
-      <p:sp>
-        <p:nvSpPr>
-          <p:cNvPr id="15" name="Rectangle 14"/>
-          <p:cNvSpPr/>
-          <p:nvPr/>
-        </p:nvSpPr>
-        <p:spPr>
-          <a:xfrm>
-            <a:off x="4495800" y="5181600"/>
-            <a:ext cx="2514600" cy="1066800"/>
-          </a:xfrm>
-          <a:prstGeom prst="rect">
-            <a:avLst/>
-          </a:prstGeom>
-        </p:spPr>
-        <p:style>
-          <a:lnRef idx="2">
-            <a:schemeClr val="accent1">
-              <a:shade val="50000"/>
-            </a:schemeClr>
-          </a:lnRef>
-          <a:fillRef idx="1">
-            <a:schemeClr val="accent1"/>
-          </a:fillRef>
-          <a:effectRef idx="0">
-            <a:schemeClr val="accent1"/>
-          </a:effectRef>
-          <a:fontRef idx="minor">
-            <a:schemeClr val="lt1"/>
-          </a:fontRef>
-        </p:style>
-        <p:txBody>
-          <a:bodyPr rtlCol="0" anchor="ctr"/>
-          <a:lstStyle/>
-          <a:p>
-            <a:pPr algn="ctr"/>
-            <a:r>
-              <a:rPr lang="en-US" dirty="0" smtClean="0"/>
-              <a:t>Lab Socket</a:t>
-            </a:r>
-            <a:endParaRPr lang="en-US" dirty="0"/>
           </a:p>
         </p:txBody>
       </p:sp>
@@ -3879,6 +3901,108 @@
           <a:bodyPr/>
           <a:lstStyle/>
           <a:p>
+            <a:endParaRPr lang="en-US" dirty="0"/>
+          </a:p>
+        </p:txBody>
+      </p:sp>
+      <p:sp>
+        <p:nvSpPr>
+          <p:cNvPr id="3" name="Content Placeholder 2"/>
+          <p:cNvSpPr>
+            <a:spLocks noGrp="1"/>
+          </p:cNvSpPr>
+          <p:nvPr>
+            <p:ph idx="1"/>
+          </p:nvPr>
+        </p:nvSpPr>
+        <p:spPr/>
+        <p:txBody>
+          <a:bodyPr/>
+          <a:lstStyle/>
+          <a:p>
+            <a:r>
+              <a:rPr lang="en-US" dirty="0" smtClean="0"/>
+              <a:t>Whenever an action is triggered, such as clicking on control --- the browser sends HTTP request to </a:t>
+            </a:r>
+            <a:r>
+              <a:rPr lang="en-US" dirty="0" err="1" smtClean="0"/>
+              <a:t>LabVIEW</a:t>
+            </a:r>
+            <a:r>
+              <a:rPr lang="en-US" dirty="0" smtClean="0"/>
+              <a:t> </a:t>
+            </a:r>
+            <a:r>
+              <a:rPr lang="en-US" dirty="0" err="1" smtClean="0"/>
+              <a:t>Webserver</a:t>
+            </a:r>
+            <a:endParaRPr lang="en-US" dirty="0" smtClean="0"/>
+          </a:p>
+          <a:p>
+            <a:r>
+              <a:rPr lang="en-US" dirty="0" err="1" smtClean="0"/>
+              <a:t>LabVIEW</a:t>
+            </a:r>
+            <a:r>
+              <a:rPr lang="en-US" dirty="0" smtClean="0"/>
+              <a:t> </a:t>
+            </a:r>
+            <a:r>
+              <a:rPr lang="en-US" dirty="0" err="1" smtClean="0"/>
+              <a:t>Webserver</a:t>
+            </a:r>
+            <a:r>
+              <a:rPr lang="en-US" dirty="0" smtClean="0"/>
+              <a:t> processes this request….send </a:t>
+            </a:r>
+            <a:r>
+              <a:rPr lang="en-US" smtClean="0"/>
+              <a:t>its corresponding VI</a:t>
+            </a:r>
+            <a:endParaRPr lang="en-US"/>
+          </a:p>
+        </p:txBody>
+      </p:sp>
+    </p:spTree>
+  </p:cSld>
+  <p:clrMapOvr>
+    <a:masterClrMapping/>
+  </p:clrMapOvr>
+</p:sld>
+</file>
+
+<file path=ppt/slides/slide6.xml><?xml version="1.0" encoding="utf-8"?>
+<p:sld xmlns:a="http://schemas.openxmlformats.org/drawingml/2006/main" xmlns:r="http://schemas.openxmlformats.org/officeDocument/2006/relationships" xmlns:p="http://schemas.openxmlformats.org/presentationml/2006/main">
+  <p:cSld>
+    <p:spTree>
+      <p:nvGrpSpPr>
+        <p:cNvPr id="1" name=""/>
+        <p:cNvGrpSpPr/>
+        <p:nvPr/>
+      </p:nvGrpSpPr>
+      <p:grpSpPr>
+        <a:xfrm>
+          <a:off x="0" y="0"/>
+          <a:ext cx="0" cy="0"/>
+          <a:chOff x="0" y="0"/>
+          <a:chExt cx="0" cy="0"/>
+        </a:xfrm>
+      </p:grpSpPr>
+      <p:sp>
+        <p:nvSpPr>
+          <p:cNvPr id="2" name="Title 1"/>
+          <p:cNvSpPr>
+            <a:spLocks noGrp="1"/>
+          </p:cNvSpPr>
+          <p:nvPr>
+            <p:ph type="title"/>
+          </p:nvPr>
+        </p:nvSpPr>
+        <p:spPr/>
+        <p:txBody>
+          <a:bodyPr/>
+          <a:lstStyle/>
+          <a:p>
             <a:r>
               <a:rPr lang="en-US" dirty="0" err="1"/>
               <a:t>L</a:t>
@@ -3926,6 +4050,69 @@
               <a:t>  </a:t>
             </a:r>
             <a:endParaRPr lang="en-US" dirty="0"/>
+          </a:p>
+        </p:txBody>
+      </p:sp>
+    </p:spTree>
+  </p:cSld>
+  <p:clrMapOvr>
+    <a:masterClrMapping/>
+  </p:clrMapOvr>
+</p:sld>
+</file>
+
+<file path=ppt/slides/slide7.xml><?xml version="1.0" encoding="utf-8"?>
+<p:sld xmlns:a="http://schemas.openxmlformats.org/drawingml/2006/main" xmlns:r="http://schemas.openxmlformats.org/officeDocument/2006/relationships" xmlns:p="http://schemas.openxmlformats.org/presentationml/2006/main">
+  <p:cSld>
+    <p:spTree>
+      <p:nvGrpSpPr>
+        <p:cNvPr id="1" name=""/>
+        <p:cNvGrpSpPr/>
+        <p:nvPr/>
+      </p:nvGrpSpPr>
+      <p:grpSpPr>
+        <a:xfrm>
+          <a:off x="0" y="0"/>
+          <a:ext cx="0" cy="0"/>
+          <a:chOff x="0" y="0"/>
+          <a:chExt cx="0" cy="0"/>
+        </a:xfrm>
+      </p:grpSpPr>
+      <p:sp>
+        <p:nvSpPr>
+          <p:cNvPr id="2" name="Title 1"/>
+          <p:cNvSpPr>
+            <a:spLocks noGrp="1"/>
+          </p:cNvSpPr>
+          <p:nvPr>
+            <p:ph type="title"/>
+          </p:nvPr>
+        </p:nvSpPr>
+        <p:spPr/>
+        <p:txBody>
+          <a:bodyPr/>
+          <a:lstStyle/>
+          <a:p>
+            <a:endParaRPr lang="en-US"/>
+          </a:p>
+        </p:txBody>
+      </p:sp>
+      <p:sp>
+        <p:nvSpPr>
+          <p:cNvPr id="3" name="Content Placeholder 2"/>
+          <p:cNvSpPr>
+            <a:spLocks noGrp="1"/>
+          </p:cNvSpPr>
+          <p:nvPr>
+            <p:ph idx="1"/>
+          </p:nvPr>
+        </p:nvSpPr>
+        <p:spPr/>
+        <p:txBody>
+          <a:bodyPr/>
+          <a:lstStyle/>
+          <a:p>
+            <a:endParaRPr lang="en-US"/>
           </a:p>
         </p:txBody>
       </p:sp>
